--- a/docs/articles/assets/pptx/barchart_02_stacked.pptx
+++ b/docs/articles/assets/pptx/barchart_02_stacked.pptx
@@ -110,7 +110,7 @@
 </p:presentation>
 </file>
 
-<file path=ppt/charts/chart139fe717809.xml><?xml version="1.0" encoding="utf-8"?>
+<file path=ppt/charts/chart258a77139f84.xml><?xml version="1.0" encoding="utf-8"?>
 <c:chartSpace xmlns:c="http://schemas.openxmlformats.org/drawingml/2006/chart" xmlns:a="http://schemas.openxmlformats.org/drawingml/2006/main" xmlns:r="http://schemas.openxmlformats.org/officeDocument/2006/relationships">
   <c:date1904 val="0"/>
   <c:lang val="fr-FR"/>
@@ -538,7 +538,7 @@
         <c:title>
           <c:tx>
             <c:rich>
-              <a:bodyPr rot="0" vert="horz" anchor="ctr"/>
+              <a:bodyPr rot="16200000" vert="horz" anchor="ctr"/>
               <a:lstStyle/>
               <a:p>
                 <a:pPr>

--- a/docs/articles/assets/pptx/barchart_02_stacked.pptx
+++ b/docs/articles/assets/pptx/barchart_02_stacked.pptx
@@ -110,7 +110,7 @@
 </p:presentation>
 </file>
 
-<file path=ppt/charts/chart258a77139f84.xml><?xml version="1.0" encoding="utf-8"?>
+<file path=ppt/charts/chart244469aa6b9.xml><?xml version="1.0" encoding="utf-8"?>
 <c:chartSpace xmlns:c="http://schemas.openxmlformats.org/drawingml/2006/chart" xmlns:a="http://schemas.openxmlformats.org/drawingml/2006/main" xmlns:r="http://schemas.openxmlformats.org/officeDocument/2006/relationships">
   <c:date1904 val="0"/>
   <c:lang val="fr-FR"/>

--- a/docs/articles/assets/pptx/barchart_02_stacked.pptx
+++ b/docs/articles/assets/pptx/barchart_02_stacked.pptx
@@ -110,7 +110,7 @@
 </p:presentation>
 </file>
 
-<file path=ppt/charts/chart244469aa6b9.xml><?xml version="1.0" encoding="utf-8"?>
+<file path=ppt/charts/chart2ac25ec32e74.xml><?xml version="1.0" encoding="utf-8"?>
 <c:chartSpace xmlns:c="http://schemas.openxmlformats.org/drawingml/2006/chart" xmlns:a="http://schemas.openxmlformats.org/drawingml/2006/main" xmlns:r="http://schemas.openxmlformats.org/officeDocument/2006/relationships">
   <c:date1904 val="0"/>
   <c:lang val="fr-FR"/>

--- a/docs/articles/assets/pptx/barchart_02_stacked.pptx
+++ b/docs/articles/assets/pptx/barchart_02_stacked.pptx
@@ -110,7 +110,7 @@
 </p:presentation>
 </file>
 
-<file path=ppt/charts/chart2ac25ec32e74.xml><?xml version="1.0" encoding="utf-8"?>
+<file path=ppt/charts/chart3869465a62dd.xml><?xml version="1.0" encoding="utf-8"?>
 <c:chartSpace xmlns:c="http://schemas.openxmlformats.org/drawingml/2006/chart" xmlns:a="http://schemas.openxmlformats.org/drawingml/2006/main" xmlns:r="http://schemas.openxmlformats.org/officeDocument/2006/relationships">
   <c:date1904 val="0"/>
   <c:lang val="fr-FR"/>

--- a/docs/articles/assets/pptx/barchart_02_stacked.pptx
+++ b/docs/articles/assets/pptx/barchart_02_stacked.pptx
@@ -110,7 +110,7 @@
 </p:presentation>
 </file>
 
-<file path=ppt/charts/chart3869465a62dd.xml><?xml version="1.0" encoding="utf-8"?>
+<file path=ppt/charts/chart3b7a3552a79e.xml><?xml version="1.0" encoding="utf-8"?>
 <c:chartSpace xmlns:c="http://schemas.openxmlformats.org/drawingml/2006/chart" xmlns:a="http://schemas.openxmlformats.org/drawingml/2006/main" xmlns:r="http://schemas.openxmlformats.org/officeDocument/2006/relationships">
   <c:date1904 val="0"/>
   <c:lang val="fr-FR"/>

--- a/docs/articles/assets/pptx/barchart_02_stacked.pptx
+++ b/docs/articles/assets/pptx/barchart_02_stacked.pptx
@@ -110,7 +110,7 @@
 </p:presentation>
 </file>
 
-<file path=ppt/charts/chart3b7a3552a79e.xml><?xml version="1.0" encoding="utf-8"?>
+<file path=ppt/charts/chartfcd7a5e6c55.xml><?xml version="1.0" encoding="utf-8"?>
 <c:chartSpace xmlns:c="http://schemas.openxmlformats.org/drawingml/2006/chart" xmlns:a="http://schemas.openxmlformats.org/drawingml/2006/main" xmlns:r="http://schemas.openxmlformats.org/officeDocument/2006/relationships">
   <c:date1904 val="0"/>
   <c:lang val="fr-FR"/>
@@ -597,11 +597,6 @@
         <c:crosses val="autoZero"/>
       </c:valAx>
     </c:plotArea>
-    <c:legend>
-      <c:legendPos val="b"/>
-      <c:layout/>
-      <c:overlay val="0"/>
-    </c:legend>
     <c:plotVisOnly val="1"/>
     <c:dispBlanksAs val="gap"/>
     <c:showDLblsOverMax val="0"/>
@@ -2711,7 +2706,7 @@
 
 <file path=ppt/slides/slide1.xml><?xml version="1.0" encoding="utf-8"?>
 <p:sld xmlns:a="http://schemas.openxmlformats.org/drawingml/2006/main" xmlns:r="http://schemas.openxmlformats.org/officeDocument/2006/relationships" xmlns:p="http://schemas.openxmlformats.org/presentationml/2006/main">
-  <p:cSld name="Title and Content">
+  <p:cSld>
     <p:spTree>
       <p:nvGrpSpPr>
         <p:cNvPr id="1" name=""/>
@@ -2745,11 +2740,6 @@
         </a:graphic>
       </p:graphicFrame>
     </p:spTree>
-    <p:extLst>
-      <p:ext uri="{BB962C8B-B14F-4D97-AF65-F5344CB8AC3E}">
-        <p14:creationId xmlns:p14="http://schemas.microsoft.com/office/powerpoint/2010/main" val="271576982"/>
-      </p:ext>
-    </p:extLst>
   </p:cSld>
   <p:clrMapOvr>
     <a:masterClrMapping/>
